--- a/2022/9月_變變變變新.pptx
+++ b/2022/9月_變變變變新.pptx
@@ -7,6 +7,8 @@
   <p:sldIdLst>
     <p:sldId id="257" r:id="rId2"/>
     <p:sldId id="258" r:id="rId3"/>
+    <p:sldId id="259" r:id="rId4"/>
+    <p:sldId id="260" r:id="rId5"/>
   </p:sldIdLst>
   <p:sldSz cx="9144000" cy="5143500" type="screen16x9"/>
   <p:notesSz cx="6858000" cy="9144000"/>
@@ -107,7 +109,7 @@
   </p:defaultTextStyle>
   <p:extLst>
     <p:ext uri="{EFAFB233-063F-42B5-8137-9DF3F51BA10A}">
-      <p15:sldGuideLst xmlns:p15="http://schemas.microsoft.com/office/powerpoint/2012/main">
+      <p15:sldGuideLst xmlns="" xmlns:p15="http://schemas.microsoft.com/office/powerpoint/2012/main">
         <p15:guide id="1" orient="horz" pos="1620">
           <p15:clr>
             <a:srgbClr val="A4A3A4"/>
@@ -305,7 +307,8 @@
           <a:p>
             <a:fld id="{4E2C53FC-F704-49E3-BD51-0DE425D934AF}" type="datetimeFigureOut">
               <a:rPr lang="en-US" smtClean="0"/>
-              <a:t>6/29/2022</a:t>
+              <a:pPr/>
+              <a:t>9/25/2022</a:t>
             </a:fld>
             <a:endParaRPr lang="en-US"/>
           </a:p>
@@ -347,6 +350,7 @@
           <a:p>
             <a:fld id="{2278A5DC-0FE4-4345-BAD8-ABA1E5A4D7F1}" type="slidenum">
               <a:rPr lang="en-US" smtClean="0"/>
+              <a:pPr/>
               <a:t>‹#›</a:t>
             </a:fld>
             <a:endParaRPr lang="en-US"/>
@@ -470,7 +474,8 @@
           <a:p>
             <a:fld id="{4E2C53FC-F704-49E3-BD51-0DE425D934AF}" type="datetimeFigureOut">
               <a:rPr lang="en-US" smtClean="0"/>
-              <a:t>6/29/2022</a:t>
+              <a:pPr/>
+              <a:t>9/25/2022</a:t>
             </a:fld>
             <a:endParaRPr lang="en-US"/>
           </a:p>
@@ -512,6 +517,7 @@
           <a:p>
             <a:fld id="{2278A5DC-0FE4-4345-BAD8-ABA1E5A4D7F1}" type="slidenum">
               <a:rPr lang="en-US" smtClean="0"/>
+              <a:pPr/>
               <a:t>‹#›</a:t>
             </a:fld>
             <a:endParaRPr lang="en-US"/>
@@ -645,7 +651,8 @@
           <a:p>
             <a:fld id="{4E2C53FC-F704-49E3-BD51-0DE425D934AF}" type="datetimeFigureOut">
               <a:rPr lang="en-US" smtClean="0"/>
-              <a:t>6/29/2022</a:t>
+              <a:pPr/>
+              <a:t>9/25/2022</a:t>
             </a:fld>
             <a:endParaRPr lang="en-US"/>
           </a:p>
@@ -687,6 +694,7 @@
           <a:p>
             <a:fld id="{2278A5DC-0FE4-4345-BAD8-ABA1E5A4D7F1}" type="slidenum">
               <a:rPr lang="en-US" smtClean="0"/>
+              <a:pPr/>
               <a:t>‹#›</a:t>
             </a:fld>
             <a:endParaRPr lang="en-US"/>
@@ -810,7 +818,8 @@
           <a:p>
             <a:fld id="{4E2C53FC-F704-49E3-BD51-0DE425D934AF}" type="datetimeFigureOut">
               <a:rPr lang="en-US" smtClean="0"/>
-              <a:t>6/29/2022</a:t>
+              <a:pPr/>
+              <a:t>9/25/2022</a:t>
             </a:fld>
             <a:endParaRPr lang="en-US"/>
           </a:p>
@@ -852,6 +861,7 @@
           <a:p>
             <a:fld id="{2278A5DC-0FE4-4345-BAD8-ABA1E5A4D7F1}" type="slidenum">
               <a:rPr lang="en-US" smtClean="0"/>
+              <a:pPr/>
               <a:t>‹#›</a:t>
             </a:fld>
             <a:endParaRPr lang="en-US"/>
@@ -1051,7 +1061,8 @@
           <a:p>
             <a:fld id="{4E2C53FC-F704-49E3-BD51-0DE425D934AF}" type="datetimeFigureOut">
               <a:rPr lang="en-US" smtClean="0"/>
-              <a:t>6/29/2022</a:t>
+              <a:pPr/>
+              <a:t>9/25/2022</a:t>
             </a:fld>
             <a:endParaRPr lang="en-US"/>
           </a:p>
@@ -1093,6 +1104,7 @@
           <a:p>
             <a:fld id="{2278A5DC-0FE4-4345-BAD8-ABA1E5A4D7F1}" type="slidenum">
               <a:rPr lang="en-US" smtClean="0"/>
+              <a:pPr/>
               <a:t>‹#›</a:t>
             </a:fld>
             <a:endParaRPr lang="en-US"/>
@@ -1334,7 +1346,8 @@
           <a:p>
             <a:fld id="{4E2C53FC-F704-49E3-BD51-0DE425D934AF}" type="datetimeFigureOut">
               <a:rPr lang="en-US" smtClean="0"/>
-              <a:t>6/29/2022</a:t>
+              <a:pPr/>
+              <a:t>9/25/2022</a:t>
             </a:fld>
             <a:endParaRPr lang="en-US"/>
           </a:p>
@@ -1376,6 +1389,7 @@
           <a:p>
             <a:fld id="{2278A5DC-0FE4-4345-BAD8-ABA1E5A4D7F1}" type="slidenum">
               <a:rPr lang="en-US" smtClean="0"/>
+              <a:pPr/>
               <a:t>‹#›</a:t>
             </a:fld>
             <a:endParaRPr lang="en-US"/>
@@ -1751,7 +1765,8 @@
           <a:p>
             <a:fld id="{4E2C53FC-F704-49E3-BD51-0DE425D934AF}" type="datetimeFigureOut">
               <a:rPr lang="en-US" smtClean="0"/>
-              <a:t>6/29/2022</a:t>
+              <a:pPr/>
+              <a:t>9/25/2022</a:t>
             </a:fld>
             <a:endParaRPr lang="en-US"/>
           </a:p>
@@ -1793,6 +1808,7 @@
           <a:p>
             <a:fld id="{2278A5DC-0FE4-4345-BAD8-ABA1E5A4D7F1}" type="slidenum">
               <a:rPr lang="en-US" smtClean="0"/>
+              <a:pPr/>
               <a:t>‹#›</a:t>
             </a:fld>
             <a:endParaRPr lang="en-US"/>
@@ -1864,7 +1880,8 @@
           <a:p>
             <a:fld id="{4E2C53FC-F704-49E3-BD51-0DE425D934AF}" type="datetimeFigureOut">
               <a:rPr lang="en-US" smtClean="0"/>
-              <a:t>6/29/2022</a:t>
+              <a:pPr/>
+              <a:t>9/25/2022</a:t>
             </a:fld>
             <a:endParaRPr lang="en-US"/>
           </a:p>
@@ -1906,6 +1923,7 @@
           <a:p>
             <a:fld id="{2278A5DC-0FE4-4345-BAD8-ABA1E5A4D7F1}" type="slidenum">
               <a:rPr lang="en-US" smtClean="0"/>
+              <a:pPr/>
               <a:t>‹#›</a:t>
             </a:fld>
             <a:endParaRPr lang="en-US"/>
@@ -1954,7 +1972,8 @@
           <a:p>
             <a:fld id="{4E2C53FC-F704-49E3-BD51-0DE425D934AF}" type="datetimeFigureOut">
               <a:rPr lang="en-US" smtClean="0"/>
-              <a:t>6/29/2022</a:t>
+              <a:pPr/>
+              <a:t>9/25/2022</a:t>
             </a:fld>
             <a:endParaRPr lang="en-US"/>
           </a:p>
@@ -1996,6 +2015,7 @@
           <a:p>
             <a:fld id="{2278A5DC-0FE4-4345-BAD8-ABA1E5A4D7F1}" type="slidenum">
               <a:rPr lang="en-US" smtClean="0"/>
+              <a:pPr/>
               <a:t>‹#›</a:t>
             </a:fld>
             <a:endParaRPr lang="en-US"/>
@@ -2226,7 +2246,8 @@
           <a:p>
             <a:fld id="{4E2C53FC-F704-49E3-BD51-0DE425D934AF}" type="datetimeFigureOut">
               <a:rPr lang="en-US" smtClean="0"/>
-              <a:t>6/29/2022</a:t>
+              <a:pPr/>
+              <a:t>9/25/2022</a:t>
             </a:fld>
             <a:endParaRPr lang="en-US"/>
           </a:p>
@@ -2268,6 +2289,7 @@
           <a:p>
             <a:fld id="{2278A5DC-0FE4-4345-BAD8-ABA1E5A4D7F1}" type="slidenum">
               <a:rPr lang="en-US" smtClean="0"/>
+              <a:pPr/>
               <a:t>‹#›</a:t>
             </a:fld>
             <a:endParaRPr lang="en-US"/>
@@ -2478,7 +2500,8 @@
           <a:p>
             <a:fld id="{4E2C53FC-F704-49E3-BD51-0DE425D934AF}" type="datetimeFigureOut">
               <a:rPr lang="en-US" smtClean="0"/>
-              <a:t>6/29/2022</a:t>
+              <a:pPr/>
+              <a:t>9/25/2022</a:t>
             </a:fld>
             <a:endParaRPr lang="en-US"/>
           </a:p>
@@ -2520,6 +2543,7 @@
           <a:p>
             <a:fld id="{2278A5DC-0FE4-4345-BAD8-ABA1E5A4D7F1}" type="slidenum">
               <a:rPr lang="en-US" smtClean="0"/>
+              <a:pPr/>
               <a:t>‹#›</a:t>
             </a:fld>
             <a:endParaRPr lang="en-US"/>
@@ -2691,7 +2715,8 @@
           <a:p>
             <a:fld id="{4E2C53FC-F704-49E3-BD51-0DE425D934AF}" type="datetimeFigureOut">
               <a:rPr lang="en-US" smtClean="0"/>
-              <a:t>6/29/2022</a:t>
+              <a:pPr/>
+              <a:t>9/25/2022</a:t>
             </a:fld>
             <a:endParaRPr lang="en-US"/>
           </a:p>
@@ -2769,6 +2794,7 @@
           <a:p>
             <a:fld id="{2278A5DC-0FE4-4345-BAD8-ABA1E5A4D7F1}" type="slidenum">
               <a:rPr lang="en-US" smtClean="0"/>
+              <a:pPr/>
               <a:t>‹#›</a:t>
             </a:fld>
             <a:endParaRPr lang="en-US"/>
@@ -3180,13 +3206,20 @@
     </p:spTree>
     <p:extLst>
       <p:ext uri="{BB962C8B-B14F-4D97-AF65-F5344CB8AC3E}">
-        <p14:creationId xmlns:p14="http://schemas.microsoft.com/office/powerpoint/2010/main" val="1988992261"/>
+        <p14:creationId xmlns="" xmlns:p14="http://schemas.microsoft.com/office/powerpoint/2010/main" val="1988992261"/>
       </p:ext>
     </p:extLst>
   </p:cSld>
   <p:clrMapOvr>
     <a:masterClrMapping/>
   </p:clrMapOvr>
+  <p:timing>
+    <p:tnLst>
+      <p:par>
+        <p:cTn id="1" dur="indefinite" restart="never" nodeType="tmRoot"/>
+      </p:par>
+    </p:tnLst>
+  </p:timing>
 </p:sld>
 </file>
 
@@ -3266,7 +3299,14 @@
                 <a:latin typeface="Microsoft JhengHei" pitchFamily="34" charset="-120"/>
                 <a:ea typeface="Microsoft JhengHei" pitchFamily="34" charset="-120"/>
               </a:rPr>
-              <a:t>天軍天使齊齊歌唱</a:t>
+              <a:t>天軍天使</a:t>
+            </a:r>
+            <a:r>
+              <a:rPr lang="zh-CN" altLang="en-US" sz="4800" b="1" smtClean="0">
+                <a:latin typeface="Microsoft JhengHei" pitchFamily="34" charset="-120"/>
+                <a:ea typeface="Microsoft JhengHei" pitchFamily="34" charset="-120"/>
+              </a:rPr>
+              <a:t>齊齊和唱</a:t>
             </a:r>
             <a:endParaRPr lang="en-US" altLang="zh-CN" sz="4800" b="1" dirty="0" smtClean="0">
               <a:latin typeface="Microsoft JhengHei" pitchFamily="34" charset="-120"/>
@@ -3340,13 +3380,347 @@
     </p:spTree>
     <p:extLst>
       <p:ext uri="{BB962C8B-B14F-4D97-AF65-F5344CB8AC3E}">
-        <p14:creationId xmlns:p14="http://schemas.microsoft.com/office/powerpoint/2010/main" val="3219671925"/>
+        <p14:creationId xmlns="" xmlns:p14="http://schemas.microsoft.com/office/powerpoint/2010/main" val="3219671925"/>
       </p:ext>
     </p:extLst>
   </p:cSld>
   <p:clrMapOvr>
     <a:masterClrMapping/>
   </p:clrMapOvr>
+  <p:timing>
+    <p:tnLst>
+      <p:par>
+        <p:cTn id="1" dur="indefinite" restart="never" nodeType="tmRoot"/>
+      </p:par>
+    </p:tnLst>
+  </p:timing>
+</p:sld>
+</file>
+
+<file path=ppt/slides/slide3.xml><?xml version="1.0" encoding="utf-8"?>
+<p:sld xmlns:a="http://schemas.openxmlformats.org/drawingml/2006/main" xmlns:r="http://schemas.openxmlformats.org/officeDocument/2006/relationships" xmlns:p="http://schemas.openxmlformats.org/presentationml/2006/main">
+  <p:cSld>
+    <p:spTree>
+      <p:nvGrpSpPr>
+        <p:cNvPr id="1" name=""/>
+        <p:cNvGrpSpPr/>
+        <p:nvPr/>
+      </p:nvGrpSpPr>
+      <p:grpSpPr>
+        <a:xfrm>
+          <a:off x="0" y="0"/>
+          <a:ext cx="0" cy="0"/>
+          <a:chOff x="0" y="0"/>
+          <a:chExt cx="0" cy="0"/>
+        </a:xfrm>
+      </p:grpSpPr>
+      <p:sp>
+        <p:nvSpPr>
+          <p:cNvPr id="2" name="Title 1"/>
+          <p:cNvSpPr>
+            <a:spLocks noGrp="1"/>
+          </p:cNvSpPr>
+          <p:nvPr>
+            <p:ph type="title"/>
+          </p:nvPr>
+        </p:nvSpPr>
+        <p:spPr/>
+        <p:txBody>
+          <a:bodyPr/>
+          <a:lstStyle/>
+          <a:p>
+            <a:r>
+              <a:rPr lang="zh-CN" altLang="en-US" b="1" dirty="0" smtClean="0">
+                <a:latin typeface="Microsoft JhengHei" pitchFamily="34" charset="-120"/>
+                <a:ea typeface="Microsoft JhengHei" pitchFamily="34" charset="-120"/>
+              </a:rPr>
+              <a:t>變變變變新</a:t>
+            </a:r>
+            <a:endParaRPr lang="en-US" b="1" dirty="0">
+              <a:latin typeface="Microsoft JhengHei" pitchFamily="34" charset="-120"/>
+              <a:ea typeface="Microsoft JhengHei" pitchFamily="34" charset="-120"/>
+            </a:endParaRPr>
+          </a:p>
+        </p:txBody>
+      </p:sp>
+      <p:sp>
+        <p:nvSpPr>
+          <p:cNvPr id="3" name="Content Placeholder 2"/>
+          <p:cNvSpPr>
+            <a:spLocks noGrp="1"/>
+          </p:cNvSpPr>
+          <p:nvPr>
+            <p:ph idx="1"/>
+          </p:nvPr>
+        </p:nvSpPr>
+        <p:spPr>
+          <a:xfrm>
+            <a:off x="457200" y="1200150"/>
+            <a:ext cx="8229600" cy="3943349"/>
+          </a:xfrm>
+        </p:spPr>
+        <p:txBody>
+          <a:bodyPr>
+            <a:normAutofit/>
+          </a:bodyPr>
+          <a:lstStyle/>
+          <a:p>
+            <a:pPr marL="0" indent="0" algn="ctr">
+              <a:buNone/>
+            </a:pPr>
+            <a:r>
+              <a:rPr lang="zh-CN" altLang="en-US" sz="4800" b="1" dirty="0" smtClean="0">
+                <a:latin typeface="Microsoft JhengHei" pitchFamily="34" charset="-120"/>
+                <a:ea typeface="Microsoft JhengHei" pitchFamily="34" charset="-120"/>
+              </a:rPr>
+              <a:t>若你在</a:t>
+            </a:r>
+            <a:r>
+              <a:rPr lang="zh-CN" altLang="en-US" sz="4800" b="1" dirty="0" smtClean="0">
+                <a:latin typeface="Microsoft JhengHei" pitchFamily="34" charset="-120"/>
+                <a:ea typeface="Microsoft JhengHei" pitchFamily="34" charset="-120"/>
+              </a:rPr>
+              <a:t>基督裡 </a:t>
+            </a:r>
+            <a:endParaRPr lang="en-US" altLang="zh-CN" sz="4800" b="1" dirty="0" smtClean="0">
+              <a:latin typeface="Microsoft JhengHei" pitchFamily="34" charset="-120"/>
+              <a:ea typeface="Microsoft JhengHei" pitchFamily="34" charset="-120"/>
+            </a:endParaRPr>
+          </a:p>
+          <a:p>
+            <a:pPr marL="0" indent="0" algn="ctr">
+              <a:buNone/>
+            </a:pPr>
+            <a:r>
+              <a:rPr lang="zh-CN" altLang="en-US" sz="4800" b="1" dirty="0" smtClean="0">
+                <a:latin typeface="Microsoft JhengHei" pitchFamily="34" charset="-120"/>
+                <a:ea typeface="Microsoft JhengHei" pitchFamily="34" charset="-120"/>
+              </a:rPr>
+              <a:t>就是新造的人</a:t>
+            </a:r>
+            <a:endParaRPr lang="en-US" altLang="zh-CN" sz="4800" b="1" dirty="0" smtClean="0">
+              <a:latin typeface="Microsoft JhengHei" pitchFamily="34" charset="-120"/>
+              <a:ea typeface="Microsoft JhengHei" pitchFamily="34" charset="-120"/>
+            </a:endParaRPr>
+          </a:p>
+          <a:p>
+            <a:pPr marL="0" indent="0" algn="ctr">
+              <a:buNone/>
+            </a:pPr>
+            <a:r>
+              <a:rPr lang="zh-CN" altLang="en-US" sz="4800" b="1" dirty="0" smtClean="0">
+                <a:latin typeface="Microsoft JhengHei" pitchFamily="34" charset="-120"/>
+                <a:ea typeface="Microsoft JhengHei" pitchFamily="34" charset="-120"/>
+              </a:rPr>
+              <a:t>舊事已過都</a:t>
+            </a:r>
+            <a:endParaRPr lang="en-US" altLang="zh-CN" sz="4800" b="1" dirty="0" smtClean="0">
+              <a:latin typeface="Microsoft JhengHei" pitchFamily="34" charset="-120"/>
+              <a:ea typeface="Microsoft JhengHei" pitchFamily="34" charset="-120"/>
+            </a:endParaRPr>
+          </a:p>
+          <a:p>
+            <a:pPr marL="0" indent="0" algn="ctr">
+              <a:buNone/>
+            </a:pPr>
+            <a:r>
+              <a:rPr lang="zh-CN" altLang="en-US" sz="4800" b="1" dirty="0" smtClean="0">
+                <a:latin typeface="Microsoft JhengHei" pitchFamily="34" charset="-120"/>
+                <a:ea typeface="Microsoft JhengHei" pitchFamily="34" charset="-120"/>
+              </a:rPr>
+              <a:t>變  變  變  變成新的了</a:t>
+            </a:r>
+            <a:endParaRPr lang="en-US" sz="4800" b="1" dirty="0">
+              <a:latin typeface="Microsoft JhengHei" pitchFamily="34" charset="-120"/>
+              <a:ea typeface="Microsoft JhengHei" pitchFamily="34" charset="-120"/>
+            </a:endParaRPr>
+          </a:p>
+        </p:txBody>
+      </p:sp>
+    </p:spTree>
+    <p:extLst>
+      <p:ext uri="{BB962C8B-B14F-4D97-AF65-F5344CB8AC3E}">
+        <p14:creationId xmlns="" xmlns:p14="http://schemas.microsoft.com/office/powerpoint/2010/main" val="1988992261"/>
+      </p:ext>
+    </p:extLst>
+  </p:cSld>
+  <p:clrMapOvr>
+    <a:masterClrMapping/>
+  </p:clrMapOvr>
+  <p:timing>
+    <p:tnLst>
+      <p:par>
+        <p:cTn id="1" dur="indefinite" restart="never" nodeType="tmRoot"/>
+      </p:par>
+    </p:tnLst>
+  </p:timing>
+</p:sld>
+</file>
+
+<file path=ppt/slides/slide4.xml><?xml version="1.0" encoding="utf-8"?>
+<p:sld xmlns:a="http://schemas.openxmlformats.org/drawingml/2006/main" xmlns:r="http://schemas.openxmlformats.org/officeDocument/2006/relationships" xmlns:p="http://schemas.openxmlformats.org/presentationml/2006/main">
+  <p:cSld>
+    <p:spTree>
+      <p:nvGrpSpPr>
+        <p:cNvPr id="1" name=""/>
+        <p:cNvGrpSpPr/>
+        <p:nvPr/>
+      </p:nvGrpSpPr>
+      <p:grpSpPr>
+        <a:xfrm>
+          <a:off x="0" y="0"/>
+          <a:ext cx="0" cy="0"/>
+          <a:chOff x="0" y="0"/>
+          <a:chExt cx="0" cy="0"/>
+        </a:xfrm>
+      </p:grpSpPr>
+      <p:sp>
+        <p:nvSpPr>
+          <p:cNvPr id="2" name="Title 1"/>
+          <p:cNvSpPr>
+            <a:spLocks noGrp="1"/>
+          </p:cNvSpPr>
+          <p:nvPr>
+            <p:ph type="title"/>
+          </p:nvPr>
+        </p:nvSpPr>
+        <p:spPr/>
+        <p:txBody>
+          <a:bodyPr/>
+          <a:lstStyle/>
+          <a:p>
+            <a:r>
+              <a:rPr lang="zh-CN" altLang="en-US" b="1" dirty="0" smtClean="0">
+                <a:latin typeface="Microsoft JhengHei" pitchFamily="34" charset="-120"/>
+                <a:ea typeface="Microsoft JhengHei" pitchFamily="34" charset="-120"/>
+              </a:rPr>
+              <a:t>變變變變新</a:t>
+            </a:r>
+            <a:endParaRPr lang="en-US" b="1" dirty="0">
+              <a:latin typeface="Microsoft JhengHei" pitchFamily="34" charset="-120"/>
+              <a:ea typeface="Microsoft JhengHei" pitchFamily="34" charset="-120"/>
+            </a:endParaRPr>
+          </a:p>
+        </p:txBody>
+      </p:sp>
+      <p:sp>
+        <p:nvSpPr>
+          <p:cNvPr id="3" name="Content Placeholder 2"/>
+          <p:cNvSpPr>
+            <a:spLocks noGrp="1"/>
+          </p:cNvSpPr>
+          <p:nvPr>
+            <p:ph idx="1"/>
+          </p:nvPr>
+        </p:nvSpPr>
+        <p:spPr>
+          <a:xfrm>
+            <a:off x="457200" y="1200150"/>
+            <a:ext cx="8229600" cy="3943349"/>
+          </a:xfrm>
+        </p:spPr>
+        <p:txBody>
+          <a:bodyPr>
+            <a:normAutofit/>
+          </a:bodyPr>
+          <a:lstStyle/>
+          <a:p>
+            <a:pPr marL="0" indent="0" algn="ctr">
+              <a:buNone/>
+            </a:pPr>
+            <a:r>
+              <a:rPr lang="zh-CN" altLang="en-US" sz="4800" b="1" dirty="0" smtClean="0">
+                <a:latin typeface="Microsoft JhengHei" pitchFamily="34" charset="-120"/>
+                <a:ea typeface="Microsoft JhengHei" pitchFamily="34" charset="-120"/>
+              </a:rPr>
+              <a:t>天軍天使齊齊和唱</a:t>
+            </a:r>
+            <a:endParaRPr lang="en-US" altLang="zh-CN" sz="4800" b="1" dirty="0" smtClean="0">
+              <a:latin typeface="Microsoft JhengHei" pitchFamily="34" charset="-120"/>
+              <a:ea typeface="Microsoft JhengHei" pitchFamily="34" charset="-120"/>
+            </a:endParaRPr>
+          </a:p>
+          <a:p>
+            <a:pPr marL="0" indent="0" algn="ctr">
+              <a:buNone/>
+            </a:pPr>
+            <a:r>
+              <a:rPr lang="zh-CN" altLang="en-US" sz="4800" b="1" smtClean="0">
+                <a:latin typeface="Microsoft JhengHei" pitchFamily="34" charset="-120"/>
+                <a:ea typeface="Microsoft JhengHei" pitchFamily="34" charset="-120"/>
+              </a:rPr>
+              <a:t>恭祝你找到</a:t>
+            </a:r>
+            <a:r>
+              <a:rPr lang="zh-CN" altLang="en-US" sz="4800" b="1" dirty="0" smtClean="0">
+                <a:latin typeface="Microsoft JhengHei" pitchFamily="34" charset="-120"/>
+                <a:ea typeface="Microsoft JhengHei" pitchFamily="34" charset="-120"/>
+              </a:rPr>
+              <a:t>新方向</a:t>
+            </a:r>
+            <a:endParaRPr lang="en-US" altLang="zh-CN" sz="4800" b="1" dirty="0" smtClean="0">
+              <a:latin typeface="Microsoft JhengHei" pitchFamily="34" charset="-120"/>
+              <a:ea typeface="Microsoft JhengHei" pitchFamily="34" charset="-120"/>
+            </a:endParaRPr>
+          </a:p>
+          <a:p>
+            <a:pPr marL="0" indent="0" algn="ctr">
+              <a:buNone/>
+            </a:pPr>
+            <a:r>
+              <a:rPr lang="zh-CN" altLang="en-US" sz="4800" b="1" dirty="0" smtClean="0">
+                <a:latin typeface="Microsoft JhengHei" pitchFamily="34" charset="-120"/>
+                <a:ea typeface="Microsoft JhengHei" pitchFamily="34" charset="-120"/>
+              </a:rPr>
+              <a:t>祂原諒我又接受我</a:t>
+            </a:r>
+            <a:endParaRPr lang="en-US" altLang="zh-CN" sz="4800" b="1" dirty="0" smtClean="0">
+              <a:latin typeface="Microsoft JhengHei" pitchFamily="34" charset="-120"/>
+              <a:ea typeface="Microsoft JhengHei" pitchFamily="34" charset="-120"/>
+            </a:endParaRPr>
+          </a:p>
+          <a:p>
+            <a:pPr marL="0" indent="0" algn="ctr">
+              <a:buNone/>
+            </a:pPr>
+            <a:r>
+              <a:rPr lang="zh-CN" altLang="en-US" sz="4800" b="1" dirty="0">
+                <a:latin typeface="Microsoft JhengHei" pitchFamily="34" charset="-120"/>
+                <a:ea typeface="Microsoft JhengHei" pitchFamily="34" charset="-120"/>
+              </a:rPr>
+              <a:t>為</a:t>
+            </a:r>
+            <a:r>
+              <a:rPr lang="zh-CN" altLang="en-US" sz="4800" b="1" dirty="0" smtClean="0">
+                <a:latin typeface="Microsoft JhengHei" pitchFamily="34" charset="-120"/>
+                <a:ea typeface="Microsoft JhengHei" pitchFamily="34" charset="-120"/>
+              </a:rPr>
+              <a:t>我抹掉個污糟樣</a:t>
+            </a:r>
+            <a:endParaRPr lang="en-US" sz="4800" b="1" dirty="0">
+              <a:latin typeface="Microsoft JhengHei" pitchFamily="34" charset="-120"/>
+              <a:ea typeface="Microsoft JhengHei" pitchFamily="34" charset="-120"/>
+            </a:endParaRPr>
+          </a:p>
+        </p:txBody>
+      </p:sp>
+    </p:spTree>
+    <p:extLst>
+      <p:ext uri="{BB962C8B-B14F-4D97-AF65-F5344CB8AC3E}">
+        <p14:creationId xmlns="" xmlns:p14="http://schemas.microsoft.com/office/powerpoint/2010/main" val="3219671925"/>
+      </p:ext>
+    </p:extLst>
+  </p:cSld>
+  <p:clrMapOvr>
+    <a:masterClrMapping/>
+  </p:clrMapOvr>
+  <p:timing>
+    <p:tnLst>
+      <p:par>
+        <p:cTn id="1" dur="indefinite" restart="never" nodeType="tmRoot"/>
+      </p:par>
+    </p:tnLst>
+  </p:timing>
 </p:sld>
 </file>
 
